--- a/Ex2/px.pptx
+++ b/Ex2/px.pptx
@@ -124,6 +124,10 @@
 </p:presentation>
 </file>
 
+<file path=ppt/revisionInfo.xml><?xml version="1.0" encoding="utf-8"?>
+<p1510:revInfo xmlns:a="http://schemas.openxmlformats.org/drawingml/2006/main" xmlns:r="http://schemas.openxmlformats.org/officeDocument/2006/relationships" xmlns:p1510="http://schemas.microsoft.com/office/powerpoint/2015/10/main"/>
+</file>
+
 <file path=ppt/slideLayouts/slideLayout1.xml><?xml version="1.0" encoding="utf-8"?>
 <p:sldLayout xmlns:a="http://schemas.openxmlformats.org/drawingml/2006/main" xmlns:r="http://schemas.openxmlformats.org/officeDocument/2006/relationships" xmlns:p="http://schemas.openxmlformats.org/presentationml/2006/main" type="title" preserve="1">
   <p:cSld name="Titelfolie">
@@ -271,7 +275,7 @@
           <a:p>
             <a:fld id="{F6BFDE42-3A65-40FA-A31F-698215D0C750}" type="datetimeFigureOut">
               <a:rPr lang="de-DE" smtClean="0"/>
-              <a:t>29.11.2017</a:t>
+              <a:t>30.11.2017</a:t>
             </a:fld>
             <a:endParaRPr lang="de-DE"/>
           </a:p>
@@ -469,7 +473,7 @@
           <a:p>
             <a:fld id="{F6BFDE42-3A65-40FA-A31F-698215D0C750}" type="datetimeFigureOut">
               <a:rPr lang="de-DE" smtClean="0"/>
-              <a:t>29.11.2017</a:t>
+              <a:t>30.11.2017</a:t>
             </a:fld>
             <a:endParaRPr lang="de-DE"/>
           </a:p>
@@ -677,7 +681,7 @@
           <a:p>
             <a:fld id="{F6BFDE42-3A65-40FA-A31F-698215D0C750}" type="datetimeFigureOut">
               <a:rPr lang="de-DE" smtClean="0"/>
-              <a:t>29.11.2017</a:t>
+              <a:t>30.11.2017</a:t>
             </a:fld>
             <a:endParaRPr lang="de-DE"/>
           </a:p>
@@ -875,7 +879,7 @@
           <a:p>
             <a:fld id="{F6BFDE42-3A65-40FA-A31F-698215D0C750}" type="datetimeFigureOut">
               <a:rPr lang="de-DE" smtClean="0"/>
-              <a:t>29.11.2017</a:t>
+              <a:t>30.11.2017</a:t>
             </a:fld>
             <a:endParaRPr lang="de-DE"/>
           </a:p>
@@ -1150,7 +1154,7 @@
           <a:p>
             <a:fld id="{F6BFDE42-3A65-40FA-A31F-698215D0C750}" type="datetimeFigureOut">
               <a:rPr lang="de-DE" smtClean="0"/>
-              <a:t>29.11.2017</a:t>
+              <a:t>30.11.2017</a:t>
             </a:fld>
             <a:endParaRPr lang="de-DE"/>
           </a:p>
@@ -1415,7 +1419,7 @@
           <a:p>
             <a:fld id="{F6BFDE42-3A65-40FA-A31F-698215D0C750}" type="datetimeFigureOut">
               <a:rPr lang="de-DE" smtClean="0"/>
-              <a:t>29.11.2017</a:t>
+              <a:t>30.11.2017</a:t>
             </a:fld>
             <a:endParaRPr lang="de-DE"/>
           </a:p>
@@ -1827,7 +1831,7 @@
           <a:p>
             <a:fld id="{F6BFDE42-3A65-40FA-A31F-698215D0C750}" type="datetimeFigureOut">
               <a:rPr lang="de-DE" smtClean="0"/>
-              <a:t>29.11.2017</a:t>
+              <a:t>30.11.2017</a:t>
             </a:fld>
             <a:endParaRPr lang="de-DE"/>
           </a:p>
@@ -1968,7 +1972,7 @@
           <a:p>
             <a:fld id="{F6BFDE42-3A65-40FA-A31F-698215D0C750}" type="datetimeFigureOut">
               <a:rPr lang="de-DE" smtClean="0"/>
-              <a:t>29.11.2017</a:t>
+              <a:t>30.11.2017</a:t>
             </a:fld>
             <a:endParaRPr lang="de-DE"/>
           </a:p>
@@ -2081,7 +2085,7 @@
           <a:p>
             <a:fld id="{F6BFDE42-3A65-40FA-A31F-698215D0C750}" type="datetimeFigureOut">
               <a:rPr lang="de-DE" smtClean="0"/>
-              <a:t>29.11.2017</a:t>
+              <a:t>30.11.2017</a:t>
             </a:fld>
             <a:endParaRPr lang="de-DE"/>
           </a:p>
@@ -2392,7 +2396,7 @@
           <a:p>
             <a:fld id="{F6BFDE42-3A65-40FA-A31F-698215D0C750}" type="datetimeFigureOut">
               <a:rPr lang="de-DE" smtClean="0"/>
-              <a:t>29.11.2017</a:t>
+              <a:t>30.11.2017</a:t>
             </a:fld>
             <a:endParaRPr lang="de-DE"/>
           </a:p>
@@ -2680,7 +2684,7 @@
           <a:p>
             <a:fld id="{F6BFDE42-3A65-40FA-A31F-698215D0C750}" type="datetimeFigureOut">
               <a:rPr lang="de-DE" smtClean="0"/>
-              <a:t>29.11.2017</a:t>
+              <a:t>30.11.2017</a:t>
             </a:fld>
             <a:endParaRPr lang="de-DE"/>
           </a:p>
@@ -2921,7 +2925,7 @@
           <a:p>
             <a:fld id="{F6BFDE42-3A65-40FA-A31F-698215D0C750}" type="datetimeFigureOut">
               <a:rPr lang="de-DE" smtClean="0"/>
-              <a:t>29.11.2017</a:t>
+              <a:t>30.11.2017</a:t>
             </a:fld>
             <a:endParaRPr lang="de-DE"/>
           </a:p>
@@ -4753,7 +4757,7 @@
         <p:spPr>
           <a:xfrm>
             <a:off x="3488532" y="2131219"/>
-            <a:ext cx="753732" cy="276999"/>
+            <a:ext cx="870751" cy="276999"/>
           </a:xfrm>
           <a:prstGeom prst="rect">
             <a:avLst/>
@@ -4772,7 +4776,7 @@
                   <a:srgbClr val="FFFF00"/>
                 </a:highlight>
               </a:rPr>
-              <a:t>(-1,2,0.5)</a:t>
+              <a:t>(-1,1.5,0.5)</a:t>
             </a:r>
           </a:p>
         </p:txBody>
@@ -4811,7 +4815,7 @@
                   <a:srgbClr val="FFFF00"/>
                 </a:highlight>
               </a:rPr>
-              <a:t>(-1,2,1)</a:t>
+              <a:t>(-1,1,1)</a:t>
             </a:r>
           </a:p>
         </p:txBody>
@@ -4831,7 +4835,7 @@
         <p:spPr>
           <a:xfrm>
             <a:off x="4042339" y="996903"/>
-            <a:ext cx="753732" cy="276999"/>
+            <a:ext cx="870751" cy="276999"/>
           </a:xfrm>
           <a:prstGeom prst="rect">
             <a:avLst/>
@@ -4850,7 +4854,7 @@
                   <a:srgbClr val="FFFF00"/>
                 </a:highlight>
               </a:rPr>
-              <a:t>(-2,3,1.5)</a:t>
+              <a:t>(-2,1.5,1.5)</a:t>
             </a:r>
           </a:p>
         </p:txBody>
@@ -4870,7 +4874,7 @@
         <p:spPr>
           <a:xfrm>
             <a:off x="2896164" y="867881"/>
-            <a:ext cx="753732" cy="276999"/>
+            <a:ext cx="870751" cy="276999"/>
           </a:xfrm>
           <a:prstGeom prst="rect">
             <a:avLst/>
@@ -4889,7 +4893,7 @@
                   <a:srgbClr val="FFFF00"/>
                 </a:highlight>
               </a:rPr>
-              <a:t>(-1,2,1.5)</a:t>
+              <a:t>(-1,0.5,1.5)</a:t>
             </a:r>
           </a:p>
         </p:txBody>
@@ -4928,7 +4932,7 @@
                   <a:srgbClr val="FFFF00"/>
                 </a:highlight>
               </a:rPr>
-              <a:t>(-1,2,2)</a:t>
+              <a:t>(-1,0,2)</a:t>
             </a:r>
           </a:p>
         </p:txBody>
@@ -4948,7 +4952,7 @@
         <p:spPr>
           <a:xfrm>
             <a:off x="1473764" y="315665"/>
-            <a:ext cx="590226" cy="276999"/>
+            <a:ext cx="636713" cy="276999"/>
           </a:xfrm>
           <a:prstGeom prst="rect">
             <a:avLst/>
@@ -4967,7 +4971,7 @@
                   <a:srgbClr val="FFFF00"/>
                 </a:highlight>
               </a:rPr>
-              <a:t>(0,1,2)</a:t>
+              <a:t>(0,-1,2)</a:t>
             </a:r>
           </a:p>
         </p:txBody>
@@ -4987,7 +4991,7 @@
         <p:spPr>
           <a:xfrm>
             <a:off x="1632514" y="719904"/>
-            <a:ext cx="785793" cy="276999"/>
+            <a:ext cx="949299" cy="276999"/>
           </a:xfrm>
           <a:prstGeom prst="rect">
             <a:avLst/>
@@ -5006,7 +5010,7 @@
                   <a:srgbClr val="FFFF00"/>
                 </a:highlight>
               </a:rPr>
-              <a:t>(0,1,1.75)</a:t>
+              <a:t>(0,-.75,1.75)</a:t>
             </a:r>
           </a:p>
         </p:txBody>
@@ -5026,7 +5030,7 @@
         <p:spPr>
           <a:xfrm>
             <a:off x="1913480" y="1264804"/>
-            <a:ext cx="785793" cy="276999"/>
+            <a:ext cx="1027845" cy="276999"/>
           </a:xfrm>
           <a:prstGeom prst="rect">
             <a:avLst/>
@@ -5045,7 +5049,7 @@
                   <a:srgbClr val="FFFF00"/>
                 </a:highlight>
               </a:rPr>
-              <a:t>(0,1,1.25)</a:t>
+              <a:t>(0,-0.25,1.25)</a:t>
             </a:r>
           </a:p>
         </p:txBody>
@@ -5065,7 +5069,7 @@
         <p:spPr>
           <a:xfrm>
             <a:off x="884324" y="1118417"/>
-            <a:ext cx="1066318" cy="276999"/>
+            <a:ext cx="1144865" cy="276999"/>
           </a:xfrm>
           <a:prstGeom prst="rect">
             <a:avLst/>
@@ -5084,7 +5088,124 @@
                   <a:srgbClr val="FFFF00"/>
                 </a:highlight>
               </a:rPr>
-              <a:t>(0.5,-0.5,1.25)</a:t>
+              <a:t>(0.5,-0.75,1.25)</a:t>
+            </a:r>
+          </a:p>
+        </p:txBody>
+      </p:sp>
+      <p:sp>
+        <p:nvSpPr>
+          <p:cNvPr id="12" name="Textfeld 11">
+            <a:extLst>
+              <a:ext uri="{FF2B5EF4-FFF2-40B4-BE49-F238E27FC236}">
+                <a16:creationId xmlns:a16="http://schemas.microsoft.com/office/drawing/2014/main" id="{025357E9-F8ED-4A5D-BC03-591558771C47}"/>
+              </a:ext>
+            </a:extLst>
+          </p:cNvPr>
+          <p:cNvSpPr txBox="1"/>
+          <p:nvPr/>
+        </p:nvSpPr>
+        <p:spPr>
+          <a:xfrm>
+            <a:off x="1206183" y="2912243"/>
+            <a:ext cx="590226" cy="276999"/>
+          </a:xfrm>
+          <a:prstGeom prst="rect">
+            <a:avLst/>
+          </a:prstGeom>
+          <a:noFill/>
+        </p:spPr>
+        <p:txBody>
+          <a:bodyPr wrap="none" rtlCol="0">
+            <a:spAutoFit/>
+          </a:bodyPr>
+          <a:lstStyle/>
+          <a:p>
+            <a:r>
+              <a:rPr lang="de-DE" sz="1200" dirty="0">
+                <a:highlight>
+                  <a:srgbClr val="FFFF00"/>
+                </a:highlight>
+              </a:rPr>
+              <a:t>(1,0,0)</a:t>
+            </a:r>
+          </a:p>
+        </p:txBody>
+      </p:sp>
+      <p:sp>
+        <p:nvSpPr>
+          <p:cNvPr id="13" name="Textfeld 12">
+            <a:extLst>
+              <a:ext uri="{FF2B5EF4-FFF2-40B4-BE49-F238E27FC236}">
+                <a16:creationId xmlns:a16="http://schemas.microsoft.com/office/drawing/2014/main" id="{8C982311-BF82-49D0-A21C-3669D67D8500}"/>
+              </a:ext>
+            </a:extLst>
+          </p:cNvPr>
+          <p:cNvSpPr txBox="1"/>
+          <p:nvPr/>
+        </p:nvSpPr>
+        <p:spPr>
+          <a:xfrm>
+            <a:off x="2348069" y="2916177"/>
+            <a:ext cx="590226" cy="276999"/>
+          </a:xfrm>
+          <a:prstGeom prst="rect">
+            <a:avLst/>
+          </a:prstGeom>
+          <a:noFill/>
+        </p:spPr>
+        <p:txBody>
+          <a:bodyPr wrap="none" rtlCol="0">
+            <a:spAutoFit/>
+          </a:bodyPr>
+          <a:lstStyle/>
+          <a:p>
+            <a:r>
+              <a:rPr lang="de-DE" sz="1200" dirty="0">
+                <a:highlight>
+                  <a:srgbClr val="FFFF00"/>
+                </a:highlight>
+              </a:rPr>
+              <a:t>(0,1,0)</a:t>
+            </a:r>
+          </a:p>
+        </p:txBody>
+      </p:sp>
+      <p:sp>
+        <p:nvSpPr>
+          <p:cNvPr id="14" name="Textfeld 13">
+            <a:extLst>
+              <a:ext uri="{FF2B5EF4-FFF2-40B4-BE49-F238E27FC236}">
+                <a16:creationId xmlns:a16="http://schemas.microsoft.com/office/drawing/2014/main" id="{0072B4E5-9742-414F-8115-F70C3C430809}"/>
+              </a:ext>
+            </a:extLst>
+          </p:cNvPr>
+          <p:cNvSpPr txBox="1"/>
+          <p:nvPr/>
+        </p:nvSpPr>
+        <p:spPr>
+          <a:xfrm>
+            <a:off x="1510983" y="1707946"/>
+            <a:ext cx="590226" cy="276999"/>
+          </a:xfrm>
+          <a:prstGeom prst="rect">
+            <a:avLst/>
+          </a:prstGeom>
+          <a:noFill/>
+        </p:spPr>
+        <p:txBody>
+          <a:bodyPr wrap="none" rtlCol="0">
+            <a:spAutoFit/>
+          </a:bodyPr>
+          <a:lstStyle/>
+          <a:p>
+            <a:r>
+              <a:rPr lang="de-DE" sz="1200" dirty="0">
+                <a:highlight>
+                  <a:srgbClr val="FFFF00"/>
+                </a:highlight>
+              </a:rPr>
+              <a:t>(0,0,1)</a:t>
             </a:r>
           </a:p>
         </p:txBody>

--- a/Ex2/px.pptx
+++ b/Ex2/px.pptx
@@ -3372,6 +3372,201 @@
           </a:prstGeom>
         </p:spPr>
       </p:pic>
+      <p:cxnSp>
+        <p:nvCxnSpPr>
+          <p:cNvPr id="3" name="Gerader Verbinder 2">
+            <a:extLst>
+              <a:ext uri="{FF2B5EF4-FFF2-40B4-BE49-F238E27FC236}">
+                <a16:creationId xmlns:a16="http://schemas.microsoft.com/office/drawing/2014/main" id="{CED76922-34E0-4F80-89C4-042C3C0953B8}"/>
+              </a:ext>
+            </a:extLst>
+          </p:cNvPr>
+          <p:cNvCxnSpPr>
+            <a:stCxn id="38" idx="0"/>
+            <a:endCxn id="31" idx="2"/>
+          </p:cNvCxnSpPr>
+          <p:nvPr/>
+        </p:nvCxnSpPr>
+        <p:spPr>
+          <a:xfrm flipV="1">
+            <a:off x="6110288" y="2808159"/>
+            <a:ext cx="1044807" cy="311279"/>
+          </a:xfrm>
+          <a:prstGeom prst="line">
+            <a:avLst/>
+          </a:prstGeom>
+        </p:spPr>
+        <p:style>
+          <a:lnRef idx="1">
+            <a:schemeClr val="dk1"/>
+          </a:lnRef>
+          <a:fillRef idx="0">
+            <a:schemeClr val="dk1"/>
+          </a:fillRef>
+          <a:effectRef idx="0">
+            <a:schemeClr val="dk1"/>
+          </a:effectRef>
+          <a:fontRef idx="minor">
+            <a:schemeClr val="tx1"/>
+          </a:fontRef>
+        </p:style>
+      </p:cxnSp>
+      <p:cxnSp>
+        <p:nvCxnSpPr>
+          <p:cNvPr id="6" name="Gerader Verbinder 5">
+            <a:extLst>
+              <a:ext uri="{FF2B5EF4-FFF2-40B4-BE49-F238E27FC236}">
+                <a16:creationId xmlns:a16="http://schemas.microsoft.com/office/drawing/2014/main" id="{7B4BF747-C89B-4CE1-B6AF-E20E796BE960}"/>
+              </a:ext>
+            </a:extLst>
+          </p:cNvPr>
+          <p:cNvCxnSpPr>
+            <a:stCxn id="38" idx="4"/>
+            <a:endCxn id="31" idx="1"/>
+          </p:cNvCxnSpPr>
+          <p:nvPr/>
+        </p:nvCxnSpPr>
+        <p:spPr>
+          <a:xfrm>
+            <a:off x="6405563" y="2500313"/>
+            <a:ext cx="760076" cy="282390"/>
+          </a:xfrm>
+          <a:prstGeom prst="line">
+            <a:avLst/>
+          </a:prstGeom>
+        </p:spPr>
+        <p:style>
+          <a:lnRef idx="1">
+            <a:schemeClr val="dk1"/>
+          </a:lnRef>
+          <a:fillRef idx="0">
+            <a:schemeClr val="dk1"/>
+          </a:fillRef>
+          <a:effectRef idx="0">
+            <a:schemeClr val="dk1"/>
+          </a:effectRef>
+          <a:fontRef idx="minor">
+            <a:schemeClr val="tx1"/>
+          </a:fontRef>
+        </p:style>
+      </p:cxnSp>
+      <p:cxnSp>
+        <p:nvCxnSpPr>
+          <p:cNvPr id="39" name="Gerader Verbinder 38">
+            <a:extLst>
+              <a:ext uri="{FF2B5EF4-FFF2-40B4-BE49-F238E27FC236}">
+                <a16:creationId xmlns:a16="http://schemas.microsoft.com/office/drawing/2014/main" id="{34E1CB23-BF0E-465C-BAEA-21A42589980D}"/>
+              </a:ext>
+            </a:extLst>
+          </p:cNvPr>
+          <p:cNvCxnSpPr>
+            <a:stCxn id="38" idx="3"/>
+            <a:endCxn id="31" idx="1"/>
+          </p:cNvCxnSpPr>
+          <p:nvPr/>
+        </p:nvCxnSpPr>
+        <p:spPr>
+          <a:xfrm>
+            <a:off x="7034213" y="2181225"/>
+            <a:ext cx="131426" cy="601478"/>
+          </a:xfrm>
+          <a:prstGeom prst="line">
+            <a:avLst/>
+          </a:prstGeom>
+        </p:spPr>
+        <p:style>
+          <a:lnRef idx="1">
+            <a:schemeClr val="dk1"/>
+          </a:lnRef>
+          <a:fillRef idx="0">
+            <a:schemeClr val="dk1"/>
+          </a:fillRef>
+          <a:effectRef idx="0">
+            <a:schemeClr val="dk1"/>
+          </a:effectRef>
+          <a:fontRef idx="minor">
+            <a:schemeClr val="tx1"/>
+          </a:fontRef>
+        </p:style>
+      </p:cxnSp>
+      <p:cxnSp>
+        <p:nvCxnSpPr>
+          <p:cNvPr id="41" name="Gerader Verbinder 40">
+            <a:extLst>
+              <a:ext uri="{FF2B5EF4-FFF2-40B4-BE49-F238E27FC236}">
+                <a16:creationId xmlns:a16="http://schemas.microsoft.com/office/drawing/2014/main" id="{90D98999-6568-4608-A99C-9D3BAF9B27AE}"/>
+              </a:ext>
+            </a:extLst>
+          </p:cNvPr>
+          <p:cNvCxnSpPr>
+            <a:stCxn id="38" idx="2"/>
+            <a:endCxn id="31" idx="7"/>
+          </p:cNvCxnSpPr>
+          <p:nvPr/>
+        </p:nvCxnSpPr>
+        <p:spPr>
+          <a:xfrm flipH="1">
+            <a:off x="7216551" y="2495550"/>
+            <a:ext cx="751112" cy="287153"/>
+          </a:xfrm>
+          <a:prstGeom prst="line">
+            <a:avLst/>
+          </a:prstGeom>
+        </p:spPr>
+        <p:style>
+          <a:lnRef idx="1">
+            <a:schemeClr val="dk1"/>
+          </a:lnRef>
+          <a:fillRef idx="0">
+            <a:schemeClr val="dk1"/>
+          </a:fillRef>
+          <a:effectRef idx="0">
+            <a:schemeClr val="dk1"/>
+          </a:effectRef>
+          <a:fontRef idx="minor">
+            <a:schemeClr val="tx1"/>
+          </a:fontRef>
+        </p:style>
+      </p:cxnSp>
+      <p:cxnSp>
+        <p:nvCxnSpPr>
+          <p:cNvPr id="43" name="Gerader Verbinder 42">
+            <a:extLst>
+              <a:ext uri="{FF2B5EF4-FFF2-40B4-BE49-F238E27FC236}">
+                <a16:creationId xmlns:a16="http://schemas.microsoft.com/office/drawing/2014/main" id="{3F4470B0-0799-4FB0-9C3B-D9E154B0A2BA}"/>
+              </a:ext>
+            </a:extLst>
+          </p:cNvPr>
+          <p:cNvCxnSpPr>
+            <a:stCxn id="38" idx="1"/>
+            <a:endCxn id="31" idx="4"/>
+          </p:cNvCxnSpPr>
+          <p:nvPr/>
+        </p:nvCxnSpPr>
+        <p:spPr>
+          <a:xfrm flipH="1" flipV="1">
+            <a:off x="7191095" y="2844159"/>
+            <a:ext cx="147918" cy="584841"/>
+          </a:xfrm>
+          <a:prstGeom prst="line">
+            <a:avLst/>
+          </a:prstGeom>
+        </p:spPr>
+        <p:style>
+          <a:lnRef idx="1">
+            <a:schemeClr val="dk1"/>
+          </a:lnRef>
+          <a:fillRef idx="0">
+            <a:schemeClr val="dk1"/>
+          </a:fillRef>
+          <a:effectRef idx="0">
+            <a:schemeClr val="dk1"/>
+          </a:effectRef>
+          <a:fontRef idx="minor">
+            <a:schemeClr val="tx1"/>
+          </a:fontRef>
+        </p:style>
+      </p:cxnSp>
       <p:sp>
         <p:nvSpPr>
           <p:cNvPr id="8" name="Textfeld 7">
@@ -4672,7 +4867,212 @@
           <a:lstStyle/>
           <a:p>
             <a:pPr algn="ctr"/>
-            <a:endParaRPr lang="de-DE"/>
+            <a:endParaRPr lang="de-DE" dirty="0"/>
+          </a:p>
+        </p:txBody>
+      </p:sp>
+      <p:sp>
+        <p:nvSpPr>
+          <p:cNvPr id="44" name="Textfeld 43">
+            <a:extLst>
+              <a:ext uri="{FF2B5EF4-FFF2-40B4-BE49-F238E27FC236}">
+                <a16:creationId xmlns:a16="http://schemas.microsoft.com/office/drawing/2014/main" id="{EF473FEA-44E8-459E-823F-E93B3FD8F56B}"/>
+              </a:ext>
+            </a:extLst>
+          </p:cNvPr>
+          <p:cNvSpPr txBox="1"/>
+          <p:nvPr/>
+        </p:nvSpPr>
+        <p:spPr>
+          <a:xfrm>
+            <a:off x="6718862" y="2362111"/>
+            <a:ext cx="301686" cy="246221"/>
+          </a:xfrm>
+          <a:prstGeom prst="rect">
+            <a:avLst/>
+          </a:prstGeom>
+          <a:solidFill>
+            <a:schemeClr val="bg1"/>
+          </a:solidFill>
+        </p:spPr>
+        <p:txBody>
+          <a:bodyPr wrap="none" rtlCol="0">
+            <a:spAutoFit/>
+          </a:bodyPr>
+          <a:lstStyle/>
+          <a:p>
+            <a:r>
+              <a:rPr lang="de-DE" sz="1000" dirty="0"/>
+              <a:t>A</a:t>
+            </a:r>
+            <a:r>
+              <a:rPr lang="de-DE" sz="1000" baseline="-25000" dirty="0"/>
+              <a:t>1</a:t>
+            </a:r>
+          </a:p>
+        </p:txBody>
+      </p:sp>
+      <p:sp>
+        <p:nvSpPr>
+          <p:cNvPr id="45" name="Textfeld 44">
+            <a:extLst>
+              <a:ext uri="{FF2B5EF4-FFF2-40B4-BE49-F238E27FC236}">
+                <a16:creationId xmlns:a16="http://schemas.microsoft.com/office/drawing/2014/main" id="{5AB7EF76-37EA-4761-B4A3-5A8A6E1462AA}"/>
+              </a:ext>
+            </a:extLst>
+          </p:cNvPr>
+          <p:cNvSpPr txBox="1"/>
+          <p:nvPr/>
+        </p:nvSpPr>
+        <p:spPr>
+          <a:xfrm>
+            <a:off x="7182391" y="2381485"/>
+            <a:ext cx="301686" cy="246221"/>
+          </a:xfrm>
+          <a:prstGeom prst="rect">
+            <a:avLst/>
+          </a:prstGeom>
+          <a:solidFill>
+            <a:schemeClr val="bg1"/>
+          </a:solidFill>
+        </p:spPr>
+        <p:txBody>
+          <a:bodyPr wrap="none" rtlCol="0">
+            <a:spAutoFit/>
+          </a:bodyPr>
+          <a:lstStyle/>
+          <a:p>
+            <a:r>
+              <a:rPr lang="de-DE" sz="1000" dirty="0"/>
+              <a:t>A</a:t>
+            </a:r>
+            <a:r>
+              <a:rPr lang="de-DE" sz="1000" baseline="-25000" dirty="0"/>
+              <a:t>0</a:t>
+            </a:r>
+          </a:p>
+        </p:txBody>
+      </p:sp>
+      <p:sp>
+        <p:nvSpPr>
+          <p:cNvPr id="46" name="Textfeld 45">
+            <a:extLst>
+              <a:ext uri="{FF2B5EF4-FFF2-40B4-BE49-F238E27FC236}">
+                <a16:creationId xmlns:a16="http://schemas.microsoft.com/office/drawing/2014/main" id="{D5854EA1-3688-4E9E-A7B9-04217C761871}"/>
+              </a:ext>
+            </a:extLst>
+          </p:cNvPr>
+          <p:cNvSpPr txBox="1"/>
+          <p:nvPr/>
+        </p:nvSpPr>
+        <p:spPr>
+          <a:xfrm>
+            <a:off x="6376338" y="2654048"/>
+            <a:ext cx="301686" cy="246221"/>
+          </a:xfrm>
+          <a:prstGeom prst="rect">
+            <a:avLst/>
+          </a:prstGeom>
+          <a:solidFill>
+            <a:schemeClr val="bg1"/>
+          </a:solidFill>
+        </p:spPr>
+        <p:txBody>
+          <a:bodyPr wrap="none" rtlCol="0">
+            <a:spAutoFit/>
+          </a:bodyPr>
+          <a:lstStyle/>
+          <a:p>
+            <a:r>
+              <a:rPr lang="de-DE" sz="1000" dirty="0"/>
+              <a:t>A</a:t>
+            </a:r>
+            <a:r>
+              <a:rPr lang="de-DE" sz="1000" baseline="-25000" dirty="0"/>
+              <a:t>2</a:t>
+            </a:r>
+          </a:p>
+        </p:txBody>
+      </p:sp>
+      <p:sp>
+        <p:nvSpPr>
+          <p:cNvPr id="47" name="Textfeld 46">
+            <a:extLst>
+              <a:ext uri="{FF2B5EF4-FFF2-40B4-BE49-F238E27FC236}">
+                <a16:creationId xmlns:a16="http://schemas.microsoft.com/office/drawing/2014/main" id="{D84E34D8-F240-4B4B-A85B-64A4C34DC0D2}"/>
+              </a:ext>
+            </a:extLst>
+          </p:cNvPr>
+          <p:cNvSpPr txBox="1"/>
+          <p:nvPr/>
+        </p:nvSpPr>
+        <p:spPr>
+          <a:xfrm>
+            <a:off x="6750804" y="3001773"/>
+            <a:ext cx="301686" cy="246221"/>
+          </a:xfrm>
+          <a:prstGeom prst="rect">
+            <a:avLst/>
+          </a:prstGeom>
+          <a:solidFill>
+            <a:schemeClr val="bg1"/>
+          </a:solidFill>
+        </p:spPr>
+        <p:txBody>
+          <a:bodyPr wrap="none" rtlCol="0">
+            <a:spAutoFit/>
+          </a:bodyPr>
+          <a:lstStyle/>
+          <a:p>
+            <a:r>
+              <a:rPr lang="de-DE" sz="1000" dirty="0"/>
+              <a:t>A</a:t>
+            </a:r>
+            <a:r>
+              <a:rPr lang="de-DE" sz="1000" baseline="-25000" dirty="0"/>
+              <a:t>3</a:t>
+            </a:r>
+          </a:p>
+        </p:txBody>
+      </p:sp>
+      <p:sp>
+        <p:nvSpPr>
+          <p:cNvPr id="48" name="Textfeld 47">
+            <a:extLst>
+              <a:ext uri="{FF2B5EF4-FFF2-40B4-BE49-F238E27FC236}">
+                <a16:creationId xmlns:a16="http://schemas.microsoft.com/office/drawing/2014/main" id="{58A477EF-E430-4D8B-A8AB-F1F4C6FB47B3}"/>
+              </a:ext>
+            </a:extLst>
+          </p:cNvPr>
+          <p:cNvSpPr txBox="1"/>
+          <p:nvPr/>
+        </p:nvSpPr>
+        <p:spPr>
+          <a:xfrm>
+            <a:off x="7289826" y="2752318"/>
+            <a:ext cx="301686" cy="246221"/>
+          </a:xfrm>
+          <a:prstGeom prst="rect">
+            <a:avLst/>
+          </a:prstGeom>
+          <a:solidFill>
+            <a:schemeClr val="bg1"/>
+          </a:solidFill>
+        </p:spPr>
+        <p:txBody>
+          <a:bodyPr wrap="none" rtlCol="0">
+            <a:spAutoFit/>
+          </a:bodyPr>
+          <a:lstStyle/>
+          <a:p>
+            <a:r>
+              <a:rPr lang="de-DE" sz="1000" dirty="0"/>
+              <a:t>A</a:t>
+            </a:r>
+            <a:r>
+              <a:rPr lang="de-DE" sz="1000" baseline="-25000" dirty="0"/>
+              <a:t>4</a:t>
+            </a:r>
           </a:p>
         </p:txBody>
       </p:sp>
